--- a/12_conclusions.pptx
+++ b/12_conclusions.pptx
@@ -7766,11 +7766,7 @@
           <a:p>
             <a:r>
               <a:rPr lang="en-US" dirty="0"/>
-              <a:t>I was asked to let you write evaluations during </a:t>
-            </a:r>
-            <a:r>
-              <a:rPr lang="en-US"/>
-              <a:t>class time</a:t>
+              <a:t>I was asked to let you write evaluations during class time</a:t>
             </a:r>
             <a:endParaRPr lang="en-DE" dirty="0"/>
           </a:p>
